--- a/스마트폰 게임 프로그래밍 최종발표.pptx
+++ b/스마트폰 게임 프로그래밍 최종발표.pptx
@@ -5895,7 +5895,7 @@
                 <a:latin typeface="+mj-ea"/>
                 <a:ea typeface="+mj-ea"/>
               </a:rPr>
-              <a:t>중간발표</a:t>
+              <a:t>최종발표</a:t>
             </a:r>
             <a:endParaRPr kumimoji="1" lang="en-US" altLang="ko-KR" sz="2800" dirty="0" smtClean="0">
               <a:latin typeface="+mj-ea"/>
@@ -6390,9 +6390,24 @@
             </a:r>
             <a:r>
               <a:rPr kumimoji="1" lang="ko-KR" altLang="en-US" dirty="0" smtClean="0"/>
-              <a:t>로 현위치를 받아서 위치를 보여준다</a:t>
-            </a:r>
-            <a:endParaRPr kumimoji="1" lang="en-US" altLang="ko-KR" smtClean="0"/>
+              <a:t>로 현위치를 받아서 위치를 </a:t>
+            </a:r>
+            <a:r>
+              <a:rPr kumimoji="1" lang="ko-KR" altLang="en-US" dirty="0" smtClean="0"/>
+              <a:t>보여준다</a:t>
+            </a:r>
+            <a:endParaRPr kumimoji="1" lang="en-US" altLang="ko-KR" dirty="0" smtClean="0"/>
+          </a:p>
+          <a:p>
+            <a:r>
+              <a:rPr kumimoji="1" lang="ko-KR" altLang="en-US" dirty="0" smtClean="0"/>
+              <a:t>가장 가까운 약국을 찾아준다</a:t>
+            </a:r>
+            <a:r>
+              <a:rPr kumimoji="1" lang="en-US" altLang="ko-KR" dirty="0" smtClean="0"/>
+              <a:t>.</a:t>
+            </a:r>
+            <a:endParaRPr kumimoji="1" lang="en-US" altLang="ko-KR" dirty="0" smtClean="0"/>
           </a:p>
           <a:p>
             <a:endParaRPr kumimoji="1" lang="ko-KR" altLang="en-US" dirty="0"/>
@@ -6453,7 +6468,15 @@
           <a:p>
             <a:r>
               <a:rPr kumimoji="1" lang="ko-KR" altLang="en-US" dirty="0" smtClean="0"/>
-              <a:t>실제 구현 모습</a:t>
+              <a:t>실행</a:t>
+            </a:r>
+            <a:r>
+              <a:rPr kumimoji="1" lang="ko-KR" altLang="en-US" dirty="0" smtClean="0"/>
+              <a:t> </a:t>
+            </a:r>
+            <a:r>
+              <a:rPr kumimoji="1" lang="ko-KR" altLang="en-US" dirty="0" smtClean="0"/>
+              <a:t>모습</a:t>
             </a:r>
             <a:endParaRPr kumimoji="1" lang="ko-KR" altLang="en-US" dirty="0"/>
           </a:p>
